--- a/Final Project/Final Project Presentation - Jaken Whipp.pptx
+++ b/Final Project/Final Project Presentation - Jaken Whipp.pptx
@@ -5,10 +5,10 @@
     <p:sldMasterId id="2147483648" r:id="rId4"/>
   </p:sldMasterIdLst>
   <p:notesMasterIdLst>
-    <p:notesMasterId r:id="rId19"/>
+    <p:notesMasterId r:id="rId20"/>
   </p:notesMasterIdLst>
   <p:handoutMasterIdLst>
-    <p:handoutMasterId r:id="rId20"/>
+    <p:handoutMasterId r:id="rId21"/>
   </p:handoutMasterIdLst>
   <p:sldIdLst>
     <p:sldId id="256" r:id="rId5"/>
@@ -22,9 +22,10 @@
     <p:sldId id="276" r:id="rId13"/>
     <p:sldId id="277" r:id="rId14"/>
     <p:sldId id="278" r:id="rId15"/>
-    <p:sldId id="279" r:id="rId16"/>
-    <p:sldId id="280" r:id="rId17"/>
-    <p:sldId id="271" r:id="rId18"/>
+    <p:sldId id="281" r:id="rId16"/>
+    <p:sldId id="279" r:id="rId17"/>
+    <p:sldId id="280" r:id="rId18"/>
+    <p:sldId id="271" r:id="rId19"/>
   </p:sldIdLst>
   <p:sldSz cx="12192000" cy="6858000"/>
   <p:notesSz cx="6858000" cy="9144000"/>
@@ -228,7 +229,7 @@
           <a:p>
             <a:fld id="{B56F32FC-4BD9-442A-A8C6-51598C909FE3}" type="datetimeFigureOut">
               <a:rPr lang="en-US" smtClean="0"/>
-              <a:t>11/29/2022</a:t>
+              <a:t>12/7/2022</a:t>
             </a:fld>
             <a:endParaRPr lang="en-US" dirty="0"/>
           </a:p>
@@ -405,7 +406,7 @@
           <a:p>
             <a:fld id="{056371FA-A98D-41E8-93F4-09945841298A}" type="datetimeFigureOut">
               <a:rPr lang="en-US" smtClean="0"/>
-              <a:t>11/29/2022</a:t>
+              <a:t>12/7/2022</a:t>
             </a:fld>
             <a:endParaRPr lang="en-US" dirty="0"/>
           </a:p>
@@ -9595,11 +9596,11 @@
   <p:clrMapOvr>
     <a:masterClrMapping/>
   </p:clrMapOvr>
-  <mc:AlternateContent xmlns:mc="http://schemas.openxmlformats.org/markup-compatibility/2006">
-    <mc:Choice xmlns:p14="http://schemas.microsoft.com/office/powerpoint/2010/main" Requires="p14">
+  <mc:AlternateContent xmlns:mc="http://schemas.openxmlformats.org/markup-compatibility/2006" xmlns:p14="http://schemas.microsoft.com/office/powerpoint/2010/main">
+    <mc:Choice Requires="p14">
       <p:transition p14:dur="10"/>
     </mc:Choice>
-    <mc:Fallback>
+    <mc:Fallback xmlns="">
       <p:transition/>
     </mc:Fallback>
   </mc:AlternateContent>
@@ -9674,8 +9675,8 @@
         </p:nvSpPr>
         <p:spPr>
           <a:xfrm>
-            <a:off x="179227" y="1615004"/>
-            <a:ext cx="5111750" cy="2109708"/>
+            <a:off x="179226" y="1615004"/>
+            <a:ext cx="5287919" cy="2109708"/>
           </a:xfrm>
         </p:spPr>
         <p:txBody>
@@ -9685,7 +9686,7 @@
           <a:lstStyle/>
           <a:p>
             <a:r>
-              <a:rPr lang="en-US" dirty="0"/>
+              <a:rPr lang="en-US" sz="1600" dirty="0"/>
               <a:t>The following libraries were vital to the investigation</a:t>
             </a:r>
           </a:p>
@@ -9695,7 +9696,7 @@
               <a:buChar char="•"/>
             </a:pPr>
             <a:r>
-              <a:rPr lang="en-US" dirty="0"/>
+              <a:rPr lang="en-US" sz="1600" dirty="0"/>
               <a:t>Pandas</a:t>
             </a:r>
           </a:p>
@@ -9705,10 +9706,10 @@
               <a:buChar char="•"/>
             </a:pPr>
             <a:r>
-              <a:rPr lang="en-US" dirty="0" err="1"/>
+              <a:rPr lang="en-US" sz="1600" dirty="0" err="1"/>
               <a:t>Sklearn</a:t>
             </a:r>
-            <a:endParaRPr lang="en-US" dirty="0"/>
+            <a:endParaRPr lang="en-US" sz="1600" dirty="0"/>
           </a:p>
           <a:p>
             <a:pPr marL="285750" indent="-285750">
@@ -9716,10 +9717,10 @@
               <a:buChar char="•"/>
             </a:pPr>
             <a:r>
-              <a:rPr lang="en-US" dirty="0" err="1"/>
+              <a:rPr lang="en-US" sz="1600" dirty="0" err="1"/>
               <a:t>Scipy</a:t>
             </a:r>
-            <a:endParaRPr lang="en-US" dirty="0"/>
+            <a:endParaRPr lang="en-US" sz="1600" dirty="0"/>
           </a:p>
         </p:txBody>
       </p:sp>
@@ -9834,13 +9835,13 @@
   <p:clrMapOvr>
     <a:masterClrMapping/>
   </p:clrMapOvr>
-  <mc:AlternateContent xmlns:mc="http://schemas.openxmlformats.org/markup-compatibility/2006">
-    <mc:Choice xmlns:p14="http://schemas.microsoft.com/office/powerpoint/2010/main" Requires="p14">
+  <mc:AlternateContent xmlns:mc="http://schemas.openxmlformats.org/markup-compatibility/2006" xmlns:p14="http://schemas.microsoft.com/office/powerpoint/2010/main">
+    <mc:Choice Requires="p14">
       <p:transition spd="med" p14:dur="700">
         <p:fade/>
       </p:transition>
     </mc:Choice>
-    <mc:Fallback>
+    <mc:Fallback xmlns="">
       <p:transition spd="med">
         <p:fade/>
       </p:transition>
@@ -10297,13 +10298,13 @@
   <p:clrMapOvr>
     <a:masterClrMapping/>
   </p:clrMapOvr>
-  <mc:AlternateContent xmlns:mc="http://schemas.openxmlformats.org/markup-compatibility/2006">
-    <mc:Choice xmlns:p14="http://schemas.microsoft.com/office/powerpoint/2010/main" Requires="p14">
+  <mc:AlternateContent xmlns:mc="http://schemas.openxmlformats.org/markup-compatibility/2006" xmlns:p14="http://schemas.microsoft.com/office/powerpoint/2010/main">
+    <mc:Choice Requires="p14">
       <p:transition spd="med" p14:dur="700">
         <p:fade/>
       </p:transition>
     </mc:Choice>
-    <mc:Fallback>
+    <mc:Fallback xmlns="">
       <p:transition spd="med">
         <p:fade/>
       </p:transition>
@@ -10463,7 +10464,7 @@
           <p:cNvPr id="2" name="Title 1">
             <a:extLst>
               <a:ext uri="{FF2B5EF4-FFF2-40B4-BE49-F238E27FC236}">
-                <a16:creationId xmlns:a16="http://schemas.microsoft.com/office/drawing/2014/main" id="{0A32731C-311B-46F7-A865-6C3AF6B09A47}"/>
+                <a16:creationId xmlns:a16="http://schemas.microsoft.com/office/drawing/2014/main" id="{D025B0BF-EEC6-F7A8-B2DF-0EA83F13F889}"/>
               </a:ext>
             </a:extLst>
           </p:cNvPr>
@@ -10476,66 +10477,18 @@
         </p:nvSpPr>
         <p:spPr>
           <a:xfrm>
-            <a:off x="355396" y="245511"/>
-            <a:ext cx="5111750" cy="1204912"/>
+            <a:off x="2172710" y="5151438"/>
+            <a:ext cx="7541780" cy="1204912"/>
           </a:xfrm>
         </p:spPr>
         <p:txBody>
           <a:bodyPr/>
           <a:lstStyle/>
           <a:p>
+            <a:pPr algn="ctr"/>
             <a:r>
               <a:rPr lang="en-US" dirty="0"/>
-              <a:t>Experimental Results</a:t>
-            </a:r>
-          </a:p>
-        </p:txBody>
-      </p:sp>
-      <p:sp>
-        <p:nvSpPr>
-          <p:cNvPr id="3" name="Text Placeholder 2">
-            <a:extLst>
-              <a:ext uri="{FF2B5EF4-FFF2-40B4-BE49-F238E27FC236}">
-                <a16:creationId xmlns:a16="http://schemas.microsoft.com/office/drawing/2014/main" id="{9D5232F9-FD00-464A-9F17-619C91AEF8F3}"/>
-              </a:ext>
-            </a:extLst>
-          </p:cNvPr>
-          <p:cNvSpPr>
-            <a:spLocks noGrp="1"/>
-          </p:cNvSpPr>
-          <p:nvPr>
-            <p:ph type="body" idx="1"/>
-          </p:nvPr>
-        </p:nvSpPr>
-        <p:spPr>
-          <a:xfrm>
-            <a:off x="179227" y="1615004"/>
-            <a:ext cx="5111750" cy="2109708"/>
-          </a:xfrm>
-        </p:spPr>
-        <p:txBody>
-          <a:bodyPr>
-            <a:normAutofit/>
-          </a:bodyPr>
-          <a:lstStyle/>
-          <a:p>
-            <a:pPr marL="285750" indent="-285750">
-              <a:buFont typeface="Arial" panose="020B0604020202020204" pitchFamily="34" charset="0"/>
-              <a:buChar char="•"/>
-            </a:pPr>
-            <a:r>
-              <a:rPr lang="en-US" dirty="0"/>
-              <a:t>The decision tree produced an accuracy of 86.94%.</a:t>
-            </a:r>
-          </a:p>
-          <a:p>
-            <a:pPr marL="285750" indent="-285750">
-              <a:buFont typeface="Arial" panose="020B0604020202020204" pitchFamily="34" charset="0"/>
-              <a:buChar char="•"/>
-            </a:pPr>
-            <a:r>
-              <a:rPr lang="en-US" dirty="0"/>
-              <a:t>Around 14% of the time the model would incorrectly classify a website</a:t>
+              <a:t>Bottom</a:t>
             </a:r>
           </a:p>
         </p:txBody>
@@ -10545,7 +10498,7 @@
           <p:cNvPr id="4" name="Date Placeholder 3">
             <a:extLst>
               <a:ext uri="{FF2B5EF4-FFF2-40B4-BE49-F238E27FC236}">
-                <a16:creationId xmlns:a16="http://schemas.microsoft.com/office/drawing/2014/main" id="{70E12647-CCB2-45E2-A9CB-A868F490497E}"/>
+                <a16:creationId xmlns:a16="http://schemas.microsoft.com/office/drawing/2014/main" id="{CD17B389-64EA-3A2C-AF19-4FD78CD29693}"/>
               </a:ext>
             </a:extLst>
           </p:cNvPr>
@@ -10556,12 +10509,7 @@
             <p:ph type="dt" sz="half" idx="10"/>
           </p:nvPr>
         </p:nvSpPr>
-        <p:spPr>
-          <a:xfrm>
-            <a:off x="838200" y="6356350"/>
-            <a:ext cx="1219200" cy="365125"/>
-          </a:xfrm>
-        </p:spPr>
+        <p:spPr/>
         <p:txBody>
           <a:bodyPr/>
           <a:lstStyle/>
@@ -10578,7 +10526,7 @@
           <p:cNvPr id="5" name="Footer Placeholder 4">
             <a:extLst>
               <a:ext uri="{FF2B5EF4-FFF2-40B4-BE49-F238E27FC236}">
-                <a16:creationId xmlns:a16="http://schemas.microsoft.com/office/drawing/2014/main" id="{8D51ED20-04D4-4894-B0C2-9C541A61A734}"/>
+                <a16:creationId xmlns:a16="http://schemas.microsoft.com/office/drawing/2014/main" id="{DEC143AE-371F-307D-164D-100330269576}"/>
               </a:ext>
             </a:extLst>
           </p:cNvPr>
@@ -10589,12 +10537,7 @@
             <p:ph type="ftr" sz="quarter" idx="11"/>
           </p:nvPr>
         </p:nvSpPr>
-        <p:spPr>
-          <a:xfrm>
-            <a:off x="2463800" y="6356350"/>
-            <a:ext cx="3479800" cy="365125"/>
-          </a:xfrm>
-        </p:spPr>
+        <p:spPr/>
         <p:txBody>
           <a:bodyPr/>
           <a:lstStyle/>
@@ -10611,7 +10554,7 @@
           <p:cNvPr id="6" name="Slide Number Placeholder 5">
             <a:extLst>
               <a:ext uri="{FF2B5EF4-FFF2-40B4-BE49-F238E27FC236}">
-                <a16:creationId xmlns:a16="http://schemas.microsoft.com/office/drawing/2014/main" id="{7BC1787E-7110-4989-B0B8-DD4E0ACC09DF}"/>
+                <a16:creationId xmlns:a16="http://schemas.microsoft.com/office/drawing/2014/main" id="{36054D59-331D-7CF6-C198-5EBD67681F16}"/>
               </a:ext>
             </a:extLst>
           </p:cNvPr>
@@ -10622,12 +10565,7 @@
             <p:ph type="sldNum" sz="quarter" idx="12"/>
           </p:nvPr>
         </p:nvSpPr>
-        <p:spPr>
-          <a:xfrm>
-            <a:off x="8610600" y="6356350"/>
-            <a:ext cx="2743200" cy="365125"/>
-          </a:xfrm>
-        </p:spPr>
+        <p:spPr/>
         <p:txBody>
           <a:bodyPr/>
           <a:lstStyle/>
@@ -10641,40 +10579,10 @@
           </a:p>
         </p:txBody>
       </p:sp>
-      <p:pic>
-        <p:nvPicPr>
-          <p:cNvPr id="8" name="Picture 7" descr="Diagram, schematic&#10;&#10;Description automatically generated">
-            <a:extLst>
-              <a:ext uri="{FF2B5EF4-FFF2-40B4-BE49-F238E27FC236}">
-                <a16:creationId xmlns:a16="http://schemas.microsoft.com/office/drawing/2014/main" id="{B1C2AAD5-3D93-9B9B-1BF8-7FA7DC8AE583}"/>
-              </a:ext>
-            </a:extLst>
-          </p:cNvPr>
-          <p:cNvPicPr>
-            <a:picLocks noChangeAspect="1"/>
-          </p:cNvPicPr>
-          <p:nvPr/>
-        </p:nvPicPr>
-        <p:blipFill>
-          <a:blip r:embed="rId2"/>
-          <a:stretch>
-            <a:fillRect/>
-          </a:stretch>
-        </p:blipFill>
-        <p:spPr>
-          <a:xfrm>
-            <a:off x="1776092" y="3049483"/>
-            <a:ext cx="4855216" cy="3045034"/>
-          </a:xfrm>
-          <a:prstGeom prst="rect">
-            <a:avLst/>
-          </a:prstGeom>
-        </p:spPr>
-      </p:pic>
     </p:spTree>
     <p:extLst>
       <p:ext uri="{BB962C8B-B14F-4D97-AF65-F5344CB8AC3E}">
-        <p14:creationId xmlns:p14="http://schemas.microsoft.com/office/powerpoint/2010/main" val="2329519865"/>
+        <p14:creationId xmlns:p14="http://schemas.microsoft.com/office/powerpoint/2010/main" val="3986609376"/>
       </p:ext>
     </p:extLst>
   </p:cSld>
@@ -10688,6 +10596,355 @@
       </p:transition>
     </mc:Choice>
     <mc:Fallback>
+      <p:transition spd="med">
+        <p:fade/>
+      </p:transition>
+    </mc:Fallback>
+  </mc:AlternateContent>
+  <p:timing>
+    <p:tnLst>
+      <p:par>
+        <p:cTn id="1" dur="indefinite" restart="never" nodeType="tmRoot">
+          <p:childTnLst>
+            <p:seq concurrent="1" nextAc="seek">
+              <p:cTn id="2" dur="indefinite" nodeType="mainSeq">
+                <p:childTnLst>
+                  <p:par>
+                    <p:cTn id="3" fill="hold">
+                      <p:stCondLst>
+                        <p:cond delay="indefinite"/>
+                      </p:stCondLst>
+                      <p:childTnLst>
+                        <p:par>
+                          <p:cTn id="4" fill="hold">
+                            <p:stCondLst>
+                              <p:cond delay="0"/>
+                            </p:stCondLst>
+                            <p:childTnLst>
+                              <p:par>
+                                <p:cTn id="5" presetID="2" presetClass="entr" presetSubtype="4" fill="hold" grpId="0" nodeType="clickEffect">
+                                  <p:stCondLst>
+                                    <p:cond delay="0"/>
+                                  </p:stCondLst>
+                                  <p:childTnLst>
+                                    <p:set>
+                                      <p:cBhvr>
+                                        <p:cTn id="6" dur="1" fill="hold">
+                                          <p:stCondLst>
+                                            <p:cond delay="0"/>
+                                          </p:stCondLst>
+                                        </p:cTn>
+                                        <p:tgtEl>
+                                          <p:spTgt spid="2"/>
+                                        </p:tgtEl>
+                                        <p:attrNameLst>
+                                          <p:attrName>style.visibility</p:attrName>
+                                        </p:attrNameLst>
+                                      </p:cBhvr>
+                                      <p:to>
+                                        <p:strVal val="visible"/>
+                                      </p:to>
+                                    </p:set>
+                                    <p:anim calcmode="lin" valueType="num">
+                                      <p:cBhvr additive="base">
+                                        <p:cTn id="7" dur="500" fill="hold"/>
+                                        <p:tgtEl>
+                                          <p:spTgt spid="2"/>
+                                        </p:tgtEl>
+                                        <p:attrNameLst>
+                                          <p:attrName>ppt_x</p:attrName>
+                                        </p:attrNameLst>
+                                      </p:cBhvr>
+                                      <p:tavLst>
+                                        <p:tav tm="0">
+                                          <p:val>
+                                            <p:strVal val="#ppt_x"/>
+                                          </p:val>
+                                        </p:tav>
+                                        <p:tav tm="100000">
+                                          <p:val>
+                                            <p:strVal val="#ppt_x"/>
+                                          </p:val>
+                                        </p:tav>
+                                      </p:tavLst>
+                                    </p:anim>
+                                    <p:anim calcmode="lin" valueType="num">
+                                      <p:cBhvr additive="base">
+                                        <p:cTn id="8" dur="500" fill="hold"/>
+                                        <p:tgtEl>
+                                          <p:spTgt spid="2"/>
+                                        </p:tgtEl>
+                                        <p:attrNameLst>
+                                          <p:attrName>ppt_y</p:attrName>
+                                        </p:attrNameLst>
+                                      </p:cBhvr>
+                                      <p:tavLst>
+                                        <p:tav tm="0">
+                                          <p:val>
+                                            <p:strVal val="1+#ppt_h/2"/>
+                                          </p:val>
+                                        </p:tav>
+                                        <p:tav tm="100000">
+                                          <p:val>
+                                            <p:strVal val="#ppt_y"/>
+                                          </p:val>
+                                        </p:tav>
+                                      </p:tavLst>
+                                    </p:anim>
+                                  </p:childTnLst>
+                                </p:cTn>
+                              </p:par>
+                            </p:childTnLst>
+                          </p:cTn>
+                        </p:par>
+                      </p:childTnLst>
+                    </p:cTn>
+                  </p:par>
+                </p:childTnLst>
+              </p:cTn>
+              <p:prevCondLst>
+                <p:cond evt="onPrev" delay="0">
+                  <p:tgtEl>
+                    <p:sldTgt/>
+                  </p:tgtEl>
+                </p:cond>
+              </p:prevCondLst>
+              <p:nextCondLst>
+                <p:cond evt="onNext" delay="0">
+                  <p:tgtEl>
+                    <p:sldTgt/>
+                  </p:tgtEl>
+                </p:cond>
+              </p:nextCondLst>
+            </p:seq>
+          </p:childTnLst>
+        </p:cTn>
+      </p:par>
+    </p:tnLst>
+    <p:bldLst>
+      <p:bldP spid="2" grpId="0"/>
+    </p:bldLst>
+  </p:timing>
+</p:sld>
+</file>
+
+<file path=ppt/slides/slide13.xml><?xml version="1.0" encoding="utf-8"?>
+<p:sld xmlns:a="http://schemas.openxmlformats.org/drawingml/2006/main" xmlns:r="http://schemas.openxmlformats.org/officeDocument/2006/relationships" xmlns:p="http://schemas.openxmlformats.org/presentationml/2006/main">
+  <p:cSld>
+    <p:spTree>
+      <p:nvGrpSpPr>
+        <p:cNvPr id="1" name=""/>
+        <p:cNvGrpSpPr/>
+        <p:nvPr/>
+      </p:nvGrpSpPr>
+      <p:grpSpPr>
+        <a:xfrm>
+          <a:off x="0" y="0"/>
+          <a:ext cx="0" cy="0"/>
+          <a:chOff x="0" y="0"/>
+          <a:chExt cx="0" cy="0"/>
+        </a:xfrm>
+      </p:grpSpPr>
+      <p:sp>
+        <p:nvSpPr>
+          <p:cNvPr id="2" name="Title 1">
+            <a:extLst>
+              <a:ext uri="{FF2B5EF4-FFF2-40B4-BE49-F238E27FC236}">
+                <a16:creationId xmlns:a16="http://schemas.microsoft.com/office/drawing/2014/main" id="{0A32731C-311B-46F7-A865-6C3AF6B09A47}"/>
+              </a:ext>
+            </a:extLst>
+          </p:cNvPr>
+          <p:cNvSpPr>
+            <a:spLocks noGrp="1"/>
+          </p:cNvSpPr>
+          <p:nvPr>
+            <p:ph type="title"/>
+          </p:nvPr>
+        </p:nvSpPr>
+        <p:spPr>
+          <a:xfrm>
+            <a:off x="355396" y="245511"/>
+            <a:ext cx="5111750" cy="1204912"/>
+          </a:xfrm>
+        </p:spPr>
+        <p:txBody>
+          <a:bodyPr/>
+          <a:lstStyle/>
+          <a:p>
+            <a:r>
+              <a:rPr lang="en-US" dirty="0"/>
+              <a:t>Experimental Results</a:t>
+            </a:r>
+          </a:p>
+        </p:txBody>
+      </p:sp>
+      <p:sp>
+        <p:nvSpPr>
+          <p:cNvPr id="3" name="Text Placeholder 2">
+            <a:extLst>
+              <a:ext uri="{FF2B5EF4-FFF2-40B4-BE49-F238E27FC236}">
+                <a16:creationId xmlns:a16="http://schemas.microsoft.com/office/drawing/2014/main" id="{9D5232F9-FD00-464A-9F17-619C91AEF8F3}"/>
+              </a:ext>
+            </a:extLst>
+          </p:cNvPr>
+          <p:cNvSpPr>
+            <a:spLocks noGrp="1"/>
+          </p:cNvSpPr>
+          <p:nvPr>
+            <p:ph type="body" idx="1"/>
+          </p:nvPr>
+        </p:nvSpPr>
+        <p:spPr>
+          <a:xfrm>
+            <a:off x="179227" y="1615004"/>
+            <a:ext cx="5111750" cy="2109708"/>
+          </a:xfrm>
+        </p:spPr>
+        <p:txBody>
+          <a:bodyPr>
+            <a:normAutofit/>
+          </a:bodyPr>
+          <a:lstStyle/>
+          <a:p>
+            <a:pPr marL="285750" indent="-285750">
+              <a:buFont typeface="Arial" panose="020B0604020202020204" pitchFamily="34" charset="0"/>
+              <a:buChar char="•"/>
+            </a:pPr>
+            <a:r>
+              <a:rPr lang="en-US" sz="1600" dirty="0"/>
+              <a:t>The decision tree produced an accuracy of 86.94%.</a:t>
+            </a:r>
+          </a:p>
+          <a:p>
+            <a:pPr marL="285750" indent="-285750">
+              <a:buFont typeface="Arial" panose="020B0604020202020204" pitchFamily="34" charset="0"/>
+              <a:buChar char="•"/>
+            </a:pPr>
+            <a:r>
+              <a:rPr lang="en-US" sz="1600" dirty="0"/>
+              <a:t>Around 14% of the time the model would incorrectly classify a website</a:t>
+            </a:r>
+          </a:p>
+        </p:txBody>
+      </p:sp>
+      <p:sp>
+        <p:nvSpPr>
+          <p:cNvPr id="4" name="Date Placeholder 3">
+            <a:extLst>
+              <a:ext uri="{FF2B5EF4-FFF2-40B4-BE49-F238E27FC236}">
+                <a16:creationId xmlns:a16="http://schemas.microsoft.com/office/drawing/2014/main" id="{70E12647-CCB2-45E2-A9CB-A868F490497E}"/>
+              </a:ext>
+            </a:extLst>
+          </p:cNvPr>
+          <p:cNvSpPr>
+            <a:spLocks noGrp="1"/>
+          </p:cNvSpPr>
+          <p:nvPr>
+            <p:ph type="dt" sz="half" idx="10"/>
+          </p:nvPr>
+        </p:nvSpPr>
+        <p:spPr>
+          <a:xfrm>
+            <a:off x="838200" y="6356350"/>
+            <a:ext cx="1219200" cy="365125"/>
+          </a:xfrm>
+        </p:spPr>
+        <p:txBody>
+          <a:bodyPr/>
+          <a:lstStyle/>
+          <a:p>
+            <a:r>
+              <a:rPr lang="en-US" dirty="0"/>
+              <a:t>2022</a:t>
+            </a:r>
+          </a:p>
+        </p:txBody>
+      </p:sp>
+      <p:sp>
+        <p:nvSpPr>
+          <p:cNvPr id="5" name="Footer Placeholder 4">
+            <a:extLst>
+              <a:ext uri="{FF2B5EF4-FFF2-40B4-BE49-F238E27FC236}">
+                <a16:creationId xmlns:a16="http://schemas.microsoft.com/office/drawing/2014/main" id="{8D51ED20-04D4-4894-B0C2-9C541A61A734}"/>
+              </a:ext>
+            </a:extLst>
+          </p:cNvPr>
+          <p:cNvSpPr>
+            <a:spLocks noGrp="1"/>
+          </p:cNvSpPr>
+          <p:nvPr>
+            <p:ph type="ftr" sz="quarter" idx="11"/>
+          </p:nvPr>
+        </p:nvSpPr>
+        <p:spPr>
+          <a:xfrm>
+            <a:off x="2463800" y="6356350"/>
+            <a:ext cx="3479800" cy="365125"/>
+          </a:xfrm>
+        </p:spPr>
+        <p:txBody>
+          <a:bodyPr/>
+          <a:lstStyle/>
+          <a:p>
+            <a:r>
+              <a:rPr lang="en-US" dirty="0"/>
+              <a:t>Phishing Website Decision Tree</a:t>
+            </a:r>
+          </a:p>
+        </p:txBody>
+      </p:sp>
+      <p:sp>
+        <p:nvSpPr>
+          <p:cNvPr id="6" name="Slide Number Placeholder 5">
+            <a:extLst>
+              <a:ext uri="{FF2B5EF4-FFF2-40B4-BE49-F238E27FC236}">
+                <a16:creationId xmlns:a16="http://schemas.microsoft.com/office/drawing/2014/main" id="{7BC1787E-7110-4989-B0B8-DD4E0ACC09DF}"/>
+              </a:ext>
+            </a:extLst>
+          </p:cNvPr>
+          <p:cNvSpPr>
+            <a:spLocks noGrp="1"/>
+          </p:cNvSpPr>
+          <p:nvPr>
+            <p:ph type="sldNum" sz="quarter" idx="12"/>
+          </p:nvPr>
+        </p:nvSpPr>
+        <p:spPr>
+          <a:xfrm>
+            <a:off x="8610600" y="6356350"/>
+            <a:ext cx="2743200" cy="365125"/>
+          </a:xfrm>
+        </p:spPr>
+        <p:txBody>
+          <a:bodyPr/>
+          <a:lstStyle/>
+          <a:p>
+            <a:fld id="{A49DFD55-3C28-40EF-9E31-A92D2E4017FF}" type="slidenum">
+              <a:rPr lang="en-US" smtClean="0"/>
+              <a:pPr/>
+              <a:t>13</a:t>
+            </a:fld>
+            <a:endParaRPr lang="en-US" dirty="0"/>
+          </a:p>
+        </p:txBody>
+      </p:sp>
+    </p:spTree>
+    <p:extLst>
+      <p:ext uri="{BB962C8B-B14F-4D97-AF65-F5344CB8AC3E}">
+        <p14:creationId xmlns:p14="http://schemas.microsoft.com/office/powerpoint/2010/main" val="2329519865"/>
+      </p:ext>
+    </p:extLst>
+  </p:cSld>
+  <p:clrMapOvr>
+    <a:masterClrMapping/>
+  </p:clrMapOvr>
+  <mc:AlternateContent xmlns:mc="http://schemas.openxmlformats.org/markup-compatibility/2006" xmlns:p14="http://schemas.microsoft.com/office/powerpoint/2010/main">
+    <mc:Choice Requires="p14">
+      <p:transition spd="med" p14:dur="700">
+        <p:fade/>
+      </p:transition>
+    </mc:Choice>
+    <mc:Fallback xmlns="">
       <p:transition spd="med">
         <p:fade/>
       </p:transition>
@@ -10823,105 +11080,6 @@
                       </p:childTnLst>
                     </p:cTn>
                   </p:par>
-                  <p:par>
-                    <p:cTn id="13" fill="hold">
-                      <p:stCondLst>
-                        <p:cond delay="indefinite"/>
-                      </p:stCondLst>
-                      <p:childTnLst>
-                        <p:par>
-                          <p:cTn id="14" fill="hold">
-                            <p:stCondLst>
-                              <p:cond delay="0"/>
-                            </p:stCondLst>
-                            <p:childTnLst>
-                              <p:par>
-                                <p:cTn id="15" presetID="42" presetClass="entr" presetSubtype="0" fill="hold" nodeType="clickEffect">
-                                  <p:stCondLst>
-                                    <p:cond delay="0"/>
-                                  </p:stCondLst>
-                                  <p:childTnLst>
-                                    <p:set>
-                                      <p:cBhvr>
-                                        <p:cTn id="16" dur="1" fill="hold">
-                                          <p:stCondLst>
-                                            <p:cond delay="0"/>
-                                          </p:stCondLst>
-                                        </p:cTn>
-                                        <p:tgtEl>
-                                          <p:spTgt spid="8"/>
-                                        </p:tgtEl>
-                                        <p:attrNameLst>
-                                          <p:attrName>style.visibility</p:attrName>
-                                        </p:attrNameLst>
-                                      </p:cBhvr>
-                                      <p:to>
-                                        <p:strVal val="visible"/>
-                                      </p:to>
-                                    </p:set>
-                                    <p:animEffect transition="in" filter="fade">
-                                      <p:cBhvr>
-                                        <p:cTn id="17" dur="1000"/>
-                                        <p:tgtEl>
-                                          <p:spTgt spid="8"/>
-                                        </p:tgtEl>
-                                      </p:cBhvr>
-                                    </p:animEffect>
-                                    <p:anim calcmode="lin" valueType="num">
-                                      <p:cBhvr>
-                                        <p:cTn id="18" dur="1000" fill="hold"/>
-                                        <p:tgtEl>
-                                          <p:spTgt spid="8"/>
-                                        </p:tgtEl>
-                                        <p:attrNameLst>
-                                          <p:attrName>ppt_x</p:attrName>
-                                        </p:attrNameLst>
-                                      </p:cBhvr>
-                                      <p:tavLst>
-                                        <p:tav tm="0">
-                                          <p:val>
-                                            <p:strVal val="#ppt_x"/>
-                                          </p:val>
-                                        </p:tav>
-                                        <p:tav tm="100000">
-                                          <p:val>
-                                            <p:strVal val="#ppt_x"/>
-                                          </p:val>
-                                        </p:tav>
-                                      </p:tavLst>
-                                    </p:anim>
-                                    <p:anim calcmode="lin" valueType="num">
-                                      <p:cBhvr>
-                                        <p:cTn id="19" dur="1000" fill="hold"/>
-                                        <p:tgtEl>
-                                          <p:spTgt spid="8"/>
-                                        </p:tgtEl>
-                                        <p:attrNameLst>
-                                          <p:attrName>ppt_y</p:attrName>
-                                        </p:attrNameLst>
-                                      </p:cBhvr>
-                                      <p:tavLst>
-                                        <p:tav tm="0">
-                                          <p:val>
-                                            <p:strVal val="#ppt_y+.1"/>
-                                          </p:val>
-                                        </p:tav>
-                                        <p:tav tm="100000">
-                                          <p:val>
-                                            <p:strVal val="#ppt_y"/>
-                                          </p:val>
-                                        </p:tav>
-                                      </p:tavLst>
-                                    </p:anim>
-                                  </p:childTnLst>
-                                </p:cTn>
-                              </p:par>
-                            </p:childTnLst>
-                          </p:cTn>
-                        </p:par>
-                      </p:childTnLst>
-                    </p:cTn>
-                  </p:par>
                 </p:childTnLst>
               </p:cTn>
               <p:prevCondLst>
@@ -10950,7 +11108,7 @@
 </p:sld>
 </file>
 
-<file path=ppt/slides/slide13.xml><?xml version="1.0" encoding="utf-8"?>
+<file path=ppt/slides/slide14.xml><?xml version="1.0" encoding="utf-8"?>
 <p:sld xmlns:a="http://schemas.openxmlformats.org/drawingml/2006/main" xmlns:r="http://schemas.openxmlformats.org/officeDocument/2006/relationships" xmlns:p="http://schemas.openxmlformats.org/presentationml/2006/main">
   <p:cSld>
     <p:spTree>
@@ -11033,7 +11191,7 @@
               <a:buChar char="•"/>
             </a:pPr>
             <a:r>
-              <a:rPr lang="en-US" dirty="0"/>
+              <a:rPr lang="en-US" sz="1600" dirty="0"/>
               <a:t>The removal of a third classification grouping as the suspicious classification provide more opportunity for incorrect classification</a:t>
             </a:r>
           </a:p>
@@ -11043,7 +11201,7 @@
               <a:buChar char="•"/>
             </a:pPr>
             <a:r>
-              <a:rPr lang="en-US" dirty="0"/>
+              <a:rPr lang="en-US" sz="1600" dirty="0"/>
               <a:t>A larger dataset</a:t>
             </a:r>
           </a:p>
@@ -11144,42 +11302,12 @@
             <a:fld id="{A49DFD55-3C28-40EF-9E31-A92D2E4017FF}" type="slidenum">
               <a:rPr lang="en-US" smtClean="0"/>
               <a:pPr/>
-              <a:t>13</a:t>
+              <a:t>14</a:t>
             </a:fld>
             <a:endParaRPr lang="en-US" dirty="0"/>
           </a:p>
         </p:txBody>
       </p:sp>
-      <p:pic>
-        <p:nvPicPr>
-          <p:cNvPr id="7" name="Picture 6" descr="Diagram, schematic&#10;&#10;Description automatically generated">
-            <a:extLst>
-              <a:ext uri="{FF2B5EF4-FFF2-40B4-BE49-F238E27FC236}">
-                <a16:creationId xmlns:a16="http://schemas.microsoft.com/office/drawing/2014/main" id="{66AD5390-A895-33F7-D23B-4AC53B2200BB}"/>
-              </a:ext>
-            </a:extLst>
-          </p:cNvPr>
-          <p:cNvPicPr>
-            <a:picLocks noChangeAspect="1"/>
-          </p:cNvPicPr>
-          <p:nvPr/>
-        </p:nvPicPr>
-        <p:blipFill>
-          <a:blip r:embed="rId2"/>
-          <a:stretch>
-            <a:fillRect/>
-          </a:stretch>
-        </p:blipFill>
-        <p:spPr>
-          <a:xfrm>
-            <a:off x="1776092" y="3049483"/>
-            <a:ext cx="4855216" cy="3045034"/>
-          </a:xfrm>
-          <a:prstGeom prst="rect">
-            <a:avLst/>
-          </a:prstGeom>
-        </p:spPr>
-      </p:pic>
     </p:spTree>
     <p:extLst>
       <p:ext uri="{BB962C8B-B14F-4D97-AF65-F5344CB8AC3E}">
@@ -11190,13 +11318,13 @@
   <p:clrMapOvr>
     <a:masterClrMapping/>
   </p:clrMapOvr>
-  <mc:AlternateContent xmlns:mc="http://schemas.openxmlformats.org/markup-compatibility/2006">
-    <mc:Choice xmlns:p14="http://schemas.microsoft.com/office/powerpoint/2010/main" Requires="p14">
+  <mc:AlternateContent xmlns:mc="http://schemas.openxmlformats.org/markup-compatibility/2006" xmlns:p14="http://schemas.microsoft.com/office/powerpoint/2010/main">
+    <mc:Choice Requires="p14">
       <p:transition spd="med" p14:dur="700">
         <p:fade/>
       </p:transition>
     </mc:Choice>
-    <mc:Fallback>
+    <mc:Fallback xmlns="">
       <p:transition spd="med">
         <p:fade/>
       </p:transition>
@@ -11332,105 +11460,6 @@
                       </p:childTnLst>
                     </p:cTn>
                   </p:par>
-                  <p:par>
-                    <p:cTn id="13" fill="hold">
-                      <p:stCondLst>
-                        <p:cond delay="indefinite"/>
-                      </p:stCondLst>
-                      <p:childTnLst>
-                        <p:par>
-                          <p:cTn id="14" fill="hold">
-                            <p:stCondLst>
-                              <p:cond delay="0"/>
-                            </p:stCondLst>
-                            <p:childTnLst>
-                              <p:par>
-                                <p:cTn id="15" presetID="42" presetClass="entr" presetSubtype="0" fill="hold" nodeType="clickEffect">
-                                  <p:stCondLst>
-                                    <p:cond delay="0"/>
-                                  </p:stCondLst>
-                                  <p:childTnLst>
-                                    <p:set>
-                                      <p:cBhvr>
-                                        <p:cTn id="16" dur="1" fill="hold">
-                                          <p:stCondLst>
-                                            <p:cond delay="0"/>
-                                          </p:stCondLst>
-                                        </p:cTn>
-                                        <p:tgtEl>
-                                          <p:spTgt spid="7"/>
-                                        </p:tgtEl>
-                                        <p:attrNameLst>
-                                          <p:attrName>style.visibility</p:attrName>
-                                        </p:attrNameLst>
-                                      </p:cBhvr>
-                                      <p:to>
-                                        <p:strVal val="visible"/>
-                                      </p:to>
-                                    </p:set>
-                                    <p:animEffect transition="in" filter="fade">
-                                      <p:cBhvr>
-                                        <p:cTn id="17" dur="1000"/>
-                                        <p:tgtEl>
-                                          <p:spTgt spid="7"/>
-                                        </p:tgtEl>
-                                      </p:cBhvr>
-                                    </p:animEffect>
-                                    <p:anim calcmode="lin" valueType="num">
-                                      <p:cBhvr>
-                                        <p:cTn id="18" dur="1000" fill="hold"/>
-                                        <p:tgtEl>
-                                          <p:spTgt spid="7"/>
-                                        </p:tgtEl>
-                                        <p:attrNameLst>
-                                          <p:attrName>ppt_x</p:attrName>
-                                        </p:attrNameLst>
-                                      </p:cBhvr>
-                                      <p:tavLst>
-                                        <p:tav tm="0">
-                                          <p:val>
-                                            <p:strVal val="#ppt_x"/>
-                                          </p:val>
-                                        </p:tav>
-                                        <p:tav tm="100000">
-                                          <p:val>
-                                            <p:strVal val="#ppt_x"/>
-                                          </p:val>
-                                        </p:tav>
-                                      </p:tavLst>
-                                    </p:anim>
-                                    <p:anim calcmode="lin" valueType="num">
-                                      <p:cBhvr>
-                                        <p:cTn id="19" dur="1000" fill="hold"/>
-                                        <p:tgtEl>
-                                          <p:spTgt spid="7"/>
-                                        </p:tgtEl>
-                                        <p:attrNameLst>
-                                          <p:attrName>ppt_y</p:attrName>
-                                        </p:attrNameLst>
-                                      </p:cBhvr>
-                                      <p:tavLst>
-                                        <p:tav tm="0">
-                                          <p:val>
-                                            <p:strVal val="#ppt_y+.1"/>
-                                          </p:val>
-                                        </p:tav>
-                                        <p:tav tm="100000">
-                                          <p:val>
-                                            <p:strVal val="#ppt_y"/>
-                                          </p:val>
-                                        </p:tav>
-                                      </p:tavLst>
-                                    </p:anim>
-                                  </p:childTnLst>
-                                </p:cTn>
-                              </p:par>
-                            </p:childTnLst>
-                          </p:cTn>
-                        </p:par>
-                      </p:childTnLst>
-                    </p:cTn>
-                  </p:par>
                 </p:childTnLst>
               </p:cTn>
               <p:prevCondLst>
@@ -11459,7 +11488,7 @@
 </p:sld>
 </file>
 
-<file path=ppt/slides/slide14.xml><?xml version="1.0" encoding="utf-8"?>
+<file path=ppt/slides/slide15.xml><?xml version="1.0" encoding="utf-8"?>
 <p:sld xmlns:a="http://schemas.openxmlformats.org/drawingml/2006/main" xmlns:r="http://schemas.openxmlformats.org/officeDocument/2006/relationships" xmlns:p="http://schemas.openxmlformats.org/presentationml/2006/main">
   <p:cSld>
     <p:spTree>
@@ -11605,7 +11634,7 @@
             <a:fld id="{A49DFD55-3C28-40EF-9E31-A92D2E4017FF}" type="slidenum">
               <a:rPr lang="en-US" smtClean="0"/>
               <a:pPr/>
-              <a:t>14</a:t>
+              <a:t>15</a:t>
             </a:fld>
             <a:endParaRPr lang="en-US" dirty="0"/>
           </a:p>
@@ -11621,13 +11650,13 @@
   <p:clrMapOvr>
     <a:masterClrMapping/>
   </p:clrMapOvr>
-  <mc:AlternateContent xmlns:mc="http://schemas.openxmlformats.org/markup-compatibility/2006">
-    <mc:Choice xmlns:p14="http://schemas.microsoft.com/office/powerpoint/2010/main" Requires="p14">
+  <mc:AlternateContent xmlns:mc="http://schemas.openxmlformats.org/markup-compatibility/2006" xmlns:p14="http://schemas.microsoft.com/office/powerpoint/2010/main">
+    <mc:Choice Requires="p14">
       <p:transition spd="med" p14:dur="700">
         <p:fade/>
       </p:transition>
     </mc:Choice>
-    <mc:Fallback>
+    <mc:Fallback xmlns="">
       <p:transition spd="med">
         <p:fade/>
       </p:transition>
@@ -11934,13 +11963,13 @@
   <p:clrMapOvr>
     <a:masterClrMapping/>
   </p:clrMapOvr>
-  <mc:AlternateContent xmlns:mc="http://schemas.openxmlformats.org/markup-compatibility/2006">
-    <mc:Choice xmlns:p14="http://schemas.microsoft.com/office/powerpoint/2010/main" Requires="p14">
+  <mc:AlternateContent xmlns:mc="http://schemas.openxmlformats.org/markup-compatibility/2006" xmlns:p14="http://schemas.microsoft.com/office/powerpoint/2010/main">
+    <mc:Choice Requires="p14">
       <p:transition spd="med" p14:dur="700">
         <p:fade/>
       </p:transition>
     </mc:Choice>
-    <mc:Fallback>
+    <mc:Fallback xmlns="">
       <p:transition spd="med">
         <p:fade/>
       </p:transition>
@@ -12299,7 +12328,9 @@
           </a:xfrm>
         </p:spPr>
         <p:txBody>
-          <a:bodyPr/>
+          <a:bodyPr>
+            <a:normAutofit/>
+          </a:bodyPr>
           <a:lstStyle/>
           <a:p>
             <a:pPr marL="285750" indent="-285750">
@@ -12307,7 +12338,7 @@
               <a:buChar char="•"/>
             </a:pPr>
             <a:r>
-              <a:rPr lang="en-US" dirty="0"/>
+              <a:rPr lang="en-US" sz="1600" dirty="0"/>
               <a:t>Phishing is a type of cyberattack in which attackers mimic legitimate organizations in order to obtain personal information from their victims.</a:t>
             </a:r>
           </a:p>
@@ -12786,7 +12817,9 @@
           </a:xfrm>
         </p:spPr>
         <p:txBody>
-          <a:bodyPr/>
+          <a:bodyPr>
+            <a:normAutofit lnSpcReduction="10000"/>
+          </a:bodyPr>
           <a:lstStyle/>
           <a:p>
             <a:pPr marL="285750" indent="-285750">
@@ -12794,7 +12827,7 @@
               <a:buChar char="•"/>
             </a:pPr>
             <a:r>
-              <a:rPr lang="en-US" dirty="0"/>
+              <a:rPr lang="en-US" sz="1600" dirty="0"/>
               <a:t>Phishing attacks in 2021 produced a loss of $44,213,707 [1]</a:t>
             </a:r>
           </a:p>
@@ -12804,7 +12837,7 @@
               <a:buChar char="•"/>
             </a:pPr>
             <a:r>
-              <a:rPr lang="en-US" dirty="0"/>
+              <a:rPr lang="en-US" sz="1600" dirty="0"/>
               <a:t>Phishing attacks are a growing issue</a:t>
             </a:r>
           </a:p>
@@ -12814,7 +12847,7 @@
               <a:buChar char="•"/>
             </a:pPr>
             <a:r>
-              <a:rPr lang="en-US" dirty="0"/>
+              <a:rPr lang="en-US" sz="1600" dirty="0"/>
               <a:t>The amount of reported phishing attacks has increased 34 percent from 2020 to 2021 [1]</a:t>
             </a:r>
           </a:p>
@@ -12938,13 +12971,13 @@
   <p:clrMapOvr>
     <a:masterClrMapping/>
   </p:clrMapOvr>
-  <mc:AlternateContent xmlns:mc="http://schemas.openxmlformats.org/markup-compatibility/2006">
-    <mc:Choice xmlns:p14="http://schemas.microsoft.com/office/powerpoint/2010/main" Requires="p14">
+  <mc:AlternateContent xmlns:mc="http://schemas.openxmlformats.org/markup-compatibility/2006" xmlns:p14="http://schemas.microsoft.com/office/powerpoint/2010/main">
+    <mc:Choice Requires="p14">
       <p:transition spd="med" p14:dur="700">
         <p:fade/>
       </p:transition>
     </mc:Choice>
-    <mc:Fallback>
+    <mc:Fallback xmlns="">
       <p:transition spd="med">
         <p:fade/>
       </p:transition>
@@ -13237,13 +13270,13 @@
         </p:nvSpPr>
         <p:spPr>
           <a:xfrm>
-            <a:off x="179227" y="1615004"/>
-            <a:ext cx="5111750" cy="2109708"/>
+            <a:off x="179227" y="1615003"/>
+            <a:ext cx="5111750" cy="2531729"/>
           </a:xfrm>
         </p:spPr>
         <p:txBody>
           <a:bodyPr>
-            <a:normAutofit/>
+            <a:noAutofit/>
           </a:bodyPr>
           <a:lstStyle/>
           <a:p>
@@ -13252,7 +13285,7 @@
               <a:buChar char="•"/>
             </a:pPr>
             <a:r>
-              <a:rPr lang="en-US" dirty="0"/>
+              <a:rPr lang="en-US" sz="1600" dirty="0"/>
               <a:t>A data mining technique which falls under classification models</a:t>
             </a:r>
           </a:p>
@@ -13262,7 +13295,7 @@
               <a:buChar char="•"/>
             </a:pPr>
             <a:r>
-              <a:rPr lang="en-US" dirty="0"/>
+              <a:rPr lang="en-US" sz="1600" dirty="0"/>
               <a:t>A decision tree facilitates the classification of something based on passed parameters</a:t>
             </a:r>
           </a:p>
@@ -13272,7 +13305,7 @@
               <a:buChar char="•"/>
             </a:pPr>
             <a:r>
-              <a:rPr lang="en-US" dirty="0"/>
+              <a:rPr lang="en-US" sz="1600" dirty="0"/>
               <a:t>Could a decision tree prove beneficial to the classification of phishing websites?</a:t>
             </a:r>
           </a:p>
@@ -13282,7 +13315,7 @@
               <a:buChar char="•"/>
             </a:pPr>
             <a:r>
-              <a:rPr lang="en-US" dirty="0"/>
+              <a:rPr lang="en-US" sz="1600" dirty="0"/>
               <a:t>That is what I explored in this project</a:t>
             </a:r>
           </a:p>
@@ -13418,8 +13451,8 @@
         </p:blipFill>
         <p:spPr bwMode="auto">
           <a:xfrm>
-            <a:off x="355396" y="3660040"/>
-            <a:ext cx="4417573" cy="2760983"/>
+            <a:off x="355396" y="4146732"/>
+            <a:ext cx="4417573" cy="2274292"/>
           </a:xfrm>
           <a:prstGeom prst="rect">
             <a:avLst/>
@@ -13446,13 +13479,13 @@
   <p:clrMapOvr>
     <a:masterClrMapping/>
   </p:clrMapOvr>
-  <mc:AlternateContent xmlns:mc="http://schemas.openxmlformats.org/markup-compatibility/2006">
-    <mc:Choice xmlns:p14="http://schemas.microsoft.com/office/powerpoint/2010/main" Requires="p14">
+  <mc:AlternateContent xmlns:mc="http://schemas.openxmlformats.org/markup-compatibility/2006" xmlns:p14="http://schemas.microsoft.com/office/powerpoint/2010/main">
+    <mc:Choice Requires="p14">
       <p:transition spd="med" p14:dur="700">
         <p:fade/>
       </p:transition>
     </mc:Choice>
-    <mc:Fallback>
+    <mc:Fallback xmlns="">
       <p:transition spd="med">
         <p:fade/>
       </p:transition>
@@ -13884,13 +13917,13 @@
   <p:clrMapOvr>
     <a:masterClrMapping/>
   </p:clrMapOvr>
-  <mc:AlternateContent xmlns:mc="http://schemas.openxmlformats.org/markup-compatibility/2006">
-    <mc:Choice xmlns:p14="http://schemas.microsoft.com/office/powerpoint/2010/main" Requires="p14">
+  <mc:AlternateContent xmlns:mc="http://schemas.openxmlformats.org/markup-compatibility/2006" xmlns:p14="http://schemas.microsoft.com/office/powerpoint/2010/main">
+    <mc:Choice Requires="p14">
       <p:transition spd="med" p14:dur="700">
         <p:fade/>
       </p:transition>
     </mc:Choice>
-    <mc:Fallback>
+    <mc:Fallback xmlns="">
       <p:transition spd="med">
         <p:fade/>
       </p:transition>
@@ -13965,7 +13998,7 @@
         <p:spPr>
           <a:xfrm>
             <a:off x="5476875" y="3428999"/>
-            <a:ext cx="5111750" cy="2065789"/>
+            <a:ext cx="5111750" cy="2565401"/>
           </a:xfrm>
         </p:spPr>
         <p:txBody>
@@ -13979,7 +14012,7 @@
               <a:buChar char="•"/>
             </a:pPr>
             <a:r>
-              <a:rPr lang="en-US" dirty="0"/>
+              <a:rPr lang="en-US" sz="1600" dirty="0"/>
               <a:t>One [5] used the Associative Classification (AC) method of Multi-label Classifier based Associate Classification. This approach detected phishing websites with great accuracy.</a:t>
             </a:r>
           </a:p>
@@ -13989,15 +14022,15 @@
               <a:buChar char="•"/>
             </a:pPr>
             <a:r>
-              <a:rPr lang="en-US" dirty="0"/>
+              <a:rPr lang="en-US" sz="1600" dirty="0"/>
               <a:t>The other [6] used multilayer perceptron (MLP), a type of neural network. They found the MLP trained with Hybrid </a:t>
             </a:r>
             <a:r>
-              <a:rPr lang="en-US" dirty="0" err="1"/>
+              <a:rPr lang="en-US" sz="1600" dirty="0" err="1"/>
               <a:t>Salp</a:t>
             </a:r>
             <a:r>
-              <a:rPr lang="en-US" dirty="0"/>
+              <a:rPr lang="en-US" sz="1600" dirty="0"/>
               <a:t> Swarm Jaya was able to distinguish phishing websites.</a:t>
             </a:r>
           </a:p>
@@ -14340,13 +14373,13 @@
   <p:clrMapOvr>
     <a:masterClrMapping/>
   </p:clrMapOvr>
-  <mc:AlternateContent xmlns:mc="http://schemas.openxmlformats.org/markup-compatibility/2006">
-    <mc:Choice xmlns:p14="http://schemas.microsoft.com/office/powerpoint/2010/main" Requires="p14">
+  <mc:AlternateContent xmlns:mc="http://schemas.openxmlformats.org/markup-compatibility/2006" xmlns:p14="http://schemas.microsoft.com/office/powerpoint/2010/main">
+    <mc:Choice Requires="p14">
       <p:transition spd="med" p14:dur="700">
         <p:fade/>
       </p:transition>
     </mc:Choice>
-    <mc:Fallback>
+    <mc:Fallback xmlns="">
       <p:transition spd="med">
         <p:fade/>
       </p:transition>
@@ -14446,30 +14479,96 @@
         </p:nvSpPr>
         <p:spPr/>
         <p:txBody>
+          <a:bodyPr>
+            <a:normAutofit/>
+          </a:bodyPr>
+          <a:lstStyle/>
+          <a:p>
+            <a:r>
+              <a:rPr lang="en-US" sz="1600" dirty="0"/>
+              <a:t>The data was obtained from the UCI Machine Learning Repository</a:t>
+            </a:r>
+          </a:p>
+        </p:txBody>
+      </p:sp>
+      <p:sp>
+        <p:nvSpPr>
+          <p:cNvPr id="5" name="Text Placeholder 4">
+            <a:extLst>
+              <a:ext uri="{FF2B5EF4-FFF2-40B4-BE49-F238E27FC236}">
+                <a16:creationId xmlns:a16="http://schemas.microsoft.com/office/drawing/2014/main" id="{BB02AC06-5DE3-100B-5000-A4A8A85C6374}"/>
+              </a:ext>
+            </a:extLst>
+          </p:cNvPr>
+          <p:cNvSpPr>
+            <a:spLocks noGrp="1"/>
+          </p:cNvSpPr>
+          <p:nvPr>
+            <p:ph type="body" sz="quarter" idx="3"/>
+          </p:nvPr>
+        </p:nvSpPr>
+        <p:spPr/>
+        <p:txBody>
           <a:bodyPr/>
           <a:lstStyle/>
           <a:p>
             <a:r>
               <a:rPr lang="en-US" dirty="0"/>
-              <a:t>The data was obtained from the UCI Machine Learning Repository</a:t>
-            </a:r>
-          </a:p>
-        </p:txBody>
-      </p:sp>
-      <p:sp>
-        <p:nvSpPr>
-          <p:cNvPr id="5" name="Text Placeholder 4">
-            <a:extLst>
-              <a:ext uri="{FF2B5EF4-FFF2-40B4-BE49-F238E27FC236}">
-                <a16:creationId xmlns:a16="http://schemas.microsoft.com/office/drawing/2014/main" id="{BB02AC06-5DE3-100B-5000-A4A8A85C6374}"/>
-              </a:ext>
-            </a:extLst>
-          </p:cNvPr>
-          <p:cNvSpPr>
-            <a:spLocks noGrp="1"/>
-          </p:cNvSpPr>
-          <p:nvPr>
-            <p:ph type="body" sz="quarter" idx="3"/>
+              <a:t>What?</a:t>
+            </a:r>
+          </a:p>
+        </p:txBody>
+      </p:sp>
+      <p:sp>
+        <p:nvSpPr>
+          <p:cNvPr id="6" name="Content Placeholder 5">
+            <a:extLst>
+              <a:ext uri="{FF2B5EF4-FFF2-40B4-BE49-F238E27FC236}">
+                <a16:creationId xmlns:a16="http://schemas.microsoft.com/office/drawing/2014/main" id="{EC3A30CC-677C-B796-1726-27F17108F6EA}"/>
+              </a:ext>
+            </a:extLst>
+          </p:cNvPr>
+          <p:cNvSpPr>
+            <a:spLocks noGrp="1"/>
+          </p:cNvSpPr>
+          <p:nvPr>
+            <p:ph sz="quarter" idx="4"/>
+          </p:nvPr>
+        </p:nvSpPr>
+        <p:spPr/>
+        <p:txBody>
+          <a:bodyPr>
+            <a:normAutofit/>
+          </a:bodyPr>
+          <a:lstStyle/>
+          <a:p>
+            <a:r>
+              <a:rPr lang="en-US" sz="1600" dirty="0"/>
+              <a:t>The dataset contains information about 1353 websites and specific information about the sites.</a:t>
+            </a:r>
+          </a:p>
+          <a:p>
+            <a:r>
+              <a:rPr lang="en-US" sz="1600" dirty="0"/>
+              <a:t>One example attribute is Web Traffic.</a:t>
+            </a:r>
+          </a:p>
+        </p:txBody>
+      </p:sp>
+      <p:sp>
+        <p:nvSpPr>
+          <p:cNvPr id="7" name="Text Placeholder 6">
+            <a:extLst>
+              <a:ext uri="{FF2B5EF4-FFF2-40B4-BE49-F238E27FC236}">
+                <a16:creationId xmlns:a16="http://schemas.microsoft.com/office/drawing/2014/main" id="{3DD2A57A-8026-7694-F28A-AFB24F8EE3F3}"/>
+              </a:ext>
+            </a:extLst>
+          </p:cNvPr>
+          <p:cNvSpPr>
+            <a:spLocks noGrp="1"/>
+          </p:cNvSpPr>
+          <p:nvPr>
+            <p:ph type="body" idx="13"/>
           </p:nvPr>
         </p:nvSpPr>
         <p:spPr/>
@@ -14479,102 +14578,47 @@
           <a:p>
             <a:r>
               <a:rPr lang="en-US" dirty="0"/>
-              <a:t>What?</a:t>
-            </a:r>
-          </a:p>
-        </p:txBody>
-      </p:sp>
-      <p:sp>
-        <p:nvSpPr>
-          <p:cNvPr id="6" name="Content Placeholder 5">
-            <a:extLst>
-              <a:ext uri="{FF2B5EF4-FFF2-40B4-BE49-F238E27FC236}">
-                <a16:creationId xmlns:a16="http://schemas.microsoft.com/office/drawing/2014/main" id="{EC3A30CC-677C-B796-1726-27F17108F6EA}"/>
-              </a:ext>
-            </a:extLst>
-          </p:cNvPr>
-          <p:cNvSpPr>
-            <a:spLocks noGrp="1"/>
-          </p:cNvSpPr>
-          <p:nvPr>
-            <p:ph sz="quarter" idx="4"/>
-          </p:nvPr>
-        </p:nvSpPr>
-        <p:spPr/>
-        <p:txBody>
-          <a:bodyPr/>
+              <a:t>Values?</a:t>
+            </a:r>
+          </a:p>
+        </p:txBody>
+      </p:sp>
+      <p:sp>
+        <p:nvSpPr>
+          <p:cNvPr id="8" name="Content Placeholder 7">
+            <a:extLst>
+              <a:ext uri="{FF2B5EF4-FFF2-40B4-BE49-F238E27FC236}">
+                <a16:creationId xmlns:a16="http://schemas.microsoft.com/office/drawing/2014/main" id="{F17D1A2C-4D9C-151C-62A9-DF827E70C934}"/>
+              </a:ext>
+            </a:extLst>
+          </p:cNvPr>
+          <p:cNvSpPr>
+            <a:spLocks noGrp="1"/>
+          </p:cNvSpPr>
+          <p:nvPr>
+            <p:ph sz="half" idx="14"/>
+          </p:nvPr>
+        </p:nvSpPr>
+        <p:spPr>
+          <a:xfrm>
+            <a:off x="8066421" y="3834606"/>
+            <a:ext cx="2882475" cy="2335285"/>
+          </a:xfrm>
+        </p:spPr>
+        <p:txBody>
+          <a:bodyPr>
+            <a:noAutofit/>
+          </a:bodyPr>
           <a:lstStyle/>
           <a:p>
             <a:r>
-              <a:rPr lang="en-US" dirty="0"/>
-              <a:t>The dataset contains information about 1353 websites and specific information about the sites.</a:t>
-            </a:r>
-          </a:p>
-          <a:p>
-            <a:r>
-              <a:rPr lang="en-US" dirty="0"/>
-              <a:t>One example attribute is Web Traffic.</a:t>
-            </a:r>
-          </a:p>
-        </p:txBody>
-      </p:sp>
-      <p:sp>
-        <p:nvSpPr>
-          <p:cNvPr id="7" name="Text Placeholder 6">
-            <a:extLst>
-              <a:ext uri="{FF2B5EF4-FFF2-40B4-BE49-F238E27FC236}">
-                <a16:creationId xmlns:a16="http://schemas.microsoft.com/office/drawing/2014/main" id="{3DD2A57A-8026-7694-F28A-AFB24F8EE3F3}"/>
-              </a:ext>
-            </a:extLst>
-          </p:cNvPr>
-          <p:cNvSpPr>
-            <a:spLocks noGrp="1"/>
-          </p:cNvSpPr>
-          <p:nvPr>
-            <p:ph type="body" idx="13"/>
-          </p:nvPr>
-        </p:nvSpPr>
-        <p:spPr/>
-        <p:txBody>
-          <a:bodyPr/>
-          <a:lstStyle/>
-          <a:p>
-            <a:r>
-              <a:rPr lang="en-US" dirty="0"/>
-              <a:t>How?</a:t>
-            </a:r>
-          </a:p>
-        </p:txBody>
-      </p:sp>
-      <p:sp>
-        <p:nvSpPr>
-          <p:cNvPr id="8" name="Content Placeholder 7">
-            <a:extLst>
-              <a:ext uri="{FF2B5EF4-FFF2-40B4-BE49-F238E27FC236}">
-                <a16:creationId xmlns:a16="http://schemas.microsoft.com/office/drawing/2014/main" id="{F17D1A2C-4D9C-151C-62A9-DF827E70C934}"/>
-              </a:ext>
-            </a:extLst>
-          </p:cNvPr>
-          <p:cNvSpPr>
-            <a:spLocks noGrp="1"/>
-          </p:cNvSpPr>
-          <p:nvPr>
-            <p:ph sz="half" idx="14"/>
-          </p:nvPr>
-        </p:nvSpPr>
-        <p:spPr/>
-        <p:txBody>
-          <a:bodyPr/>
-          <a:lstStyle/>
-          <a:p>
-            <a:r>
-              <a:rPr lang="en-US" dirty="0"/>
+              <a:rPr lang="en-US" sz="1600" dirty="0"/>
               <a:t>The values of the attributes are stored as either -1, 0, or 1 with -1 representing phishing, 0 representing suspicious, and 1 representing legitimate.</a:t>
             </a:r>
           </a:p>
           <a:p>
             <a:r>
-              <a:rPr lang="en-US" dirty="0"/>
+              <a:rPr lang="en-US" sz="1600" dirty="0"/>
               <a:t>Some attributes were exceptions to this (IP Address).</a:t>
             </a:r>
           </a:p>
@@ -16162,34 +16206,6 @@
 </file>
 
 <file path=customXml/item1.xml><?xml version="1.0" encoding="utf-8"?>
-<p:properties xmlns:p="http://schemas.microsoft.com/office/2006/metadata/properties" xmlns:xsi="http://www.w3.org/2001/XMLSchema-instance" xmlns:pc="http://schemas.microsoft.com/office/infopath/2007/PartnerControls">
-  <documentManagement>
-    <_ip_UnifiedCompliancePolicyUIAction xmlns="http://schemas.microsoft.com/sharepoint/v3" xsi:nil="true"/>
-    <Image xmlns="71af3243-3dd4-4a8d-8c0d-dd76da1f02a5">
-      <Url xsi:nil="true"/>
-      <Description xsi:nil="true"/>
-    </Image>
-    <Status xmlns="71af3243-3dd4-4a8d-8c0d-dd76da1f02a5">Not started</Status>
-    <_ip_UnifiedCompliancePolicyProperties xmlns="http://schemas.microsoft.com/sharepoint/v3" xsi:nil="true"/>
-    <ImageTagsTaxHTField xmlns="71af3243-3dd4-4a8d-8c0d-dd76da1f02a5">
-      <Terms xmlns="http://schemas.microsoft.com/office/infopath/2007/PartnerControls"/>
-    </ImageTagsTaxHTField>
-    <TaxCatchAll xmlns="230e9df3-be65-4c73-a93b-d1236ebd677e"/>
-    <MediaServiceKeyPoints xmlns="71af3243-3dd4-4a8d-8c0d-dd76da1f02a5" xsi:nil="true"/>
-  </documentManagement>
-</p:properties>
-</file>
-
-<file path=customXml/item2.xml><?xml version="1.0" encoding="utf-8"?>
-<?mso-contentType ?>
-<FormTemplates xmlns="http://schemas.microsoft.com/sharepoint/v3/contenttype/forms">
-  <Display>DocumentLibraryForm</Display>
-  <Edit>DocumentLibraryForm</Edit>
-  <New>DocumentLibraryForm</New>
-</FormTemplates>
-</file>
-
-<file path=customXml/item3.xml><?xml version="1.0" encoding="utf-8"?>
 <ct:contentTypeSchema xmlns:ct="http://schemas.microsoft.com/office/2006/metadata/contentType" xmlns:ma="http://schemas.microsoft.com/office/2006/metadata/properties/metaAttributes" ct:_="" ma:_="" ma:contentTypeName="Document" ma:contentTypeID="0x01010079F111ED35F8CC479449609E8A0923A6" ma:contentTypeVersion="20" ma:contentTypeDescription="Create a new document." ma:contentTypeScope="" ma:versionID="1267097ee5f5874adfcc408041ae252e">
   <xsd:schema xmlns:xsd="http://www.w3.org/2001/XMLSchema" xmlns:xs="http://www.w3.org/2001/XMLSchema" xmlns:p="http://schemas.microsoft.com/office/2006/metadata/properties" xmlns:ns1="http://schemas.microsoft.com/sharepoint/v3" xmlns:ns2="71af3243-3dd4-4a8d-8c0d-dd76da1f02a5" xmlns:ns3="16c05727-aa75-4e4a-9b5f-8a80a1165891" xmlns:ns4="230e9df3-be65-4c73-a93b-d1236ebd677e" targetNamespace="http://schemas.microsoft.com/office/2006/metadata/properties" ma:root="true" ma:fieldsID="395891a93df65b14727750f2c06c306c" ns1:_="" ns2:_="" ns3:_="" ns4:_="">
     <xsd:import namespace="http://schemas.microsoft.com/sharepoint/v3"/>
@@ -16465,27 +16481,35 @@
 </ct:contentTypeSchema>
 </file>
 
-<file path=customXml/itemProps1.xml><?xml version="1.0" encoding="utf-8"?>
-<ds:datastoreItem xmlns:ds="http://schemas.openxmlformats.org/officeDocument/2006/customXml" ds:itemID="{29C43685-694E-4579-B109-3C418D49DA65}">
-  <ds:schemaRefs>
-    <ds:schemaRef ds:uri="http://schemas.microsoft.com/office/2006/metadata/properties"/>
-    <ds:schemaRef ds:uri="http://schemas.microsoft.com/office/infopath/2007/PartnerControls"/>
-    <ds:schemaRef ds:uri="http://schemas.microsoft.com/sharepoint/v3"/>
-    <ds:schemaRef ds:uri="71af3243-3dd4-4a8d-8c0d-dd76da1f02a5"/>
-    <ds:schemaRef ds:uri="230e9df3-be65-4c73-a93b-d1236ebd677e"/>
-  </ds:schemaRefs>
-</ds:datastoreItem>
+<file path=customXml/item2.xml><?xml version="1.0" encoding="utf-8"?>
+<?mso-contentType ?>
+<FormTemplates xmlns="http://schemas.microsoft.com/sharepoint/v3/contenttype/forms">
+  <Display>DocumentLibraryForm</Display>
+  <Edit>DocumentLibraryForm</Edit>
+  <New>DocumentLibraryForm</New>
+</FormTemplates>
 </file>
 
-<file path=customXml/itemProps2.xml><?xml version="1.0" encoding="utf-8"?>
-<ds:datastoreItem xmlns:ds="http://schemas.openxmlformats.org/officeDocument/2006/customXml" ds:itemID="{0FD6FE22-81A0-4500-AFD0-342D21BB9A2C}">
-  <ds:schemaRefs>
-    <ds:schemaRef ds:uri="http://schemas.microsoft.com/sharepoint/v3/contenttype/forms"/>
-  </ds:schemaRefs>
-</ds:datastoreItem>
+<file path=customXml/item3.xml><?xml version="1.0" encoding="utf-8"?>
+<p:properties xmlns:p="http://schemas.microsoft.com/office/2006/metadata/properties" xmlns:xsi="http://www.w3.org/2001/XMLSchema-instance" xmlns:pc="http://schemas.microsoft.com/office/infopath/2007/PartnerControls">
+  <documentManagement>
+    <_ip_UnifiedCompliancePolicyUIAction xmlns="http://schemas.microsoft.com/sharepoint/v3" xsi:nil="true"/>
+    <Image xmlns="71af3243-3dd4-4a8d-8c0d-dd76da1f02a5">
+      <Url xsi:nil="true"/>
+      <Description xsi:nil="true"/>
+    </Image>
+    <Status xmlns="71af3243-3dd4-4a8d-8c0d-dd76da1f02a5">Not started</Status>
+    <_ip_UnifiedCompliancePolicyProperties xmlns="http://schemas.microsoft.com/sharepoint/v3" xsi:nil="true"/>
+    <ImageTagsTaxHTField xmlns="71af3243-3dd4-4a8d-8c0d-dd76da1f02a5">
+      <Terms xmlns="http://schemas.microsoft.com/office/infopath/2007/PartnerControls"/>
+    </ImageTagsTaxHTField>
+    <TaxCatchAll xmlns="230e9df3-be65-4c73-a93b-d1236ebd677e"/>
+    <MediaServiceKeyPoints xmlns="71af3243-3dd4-4a8d-8c0d-dd76da1f02a5" xsi:nil="true"/>
+  </documentManagement>
+</p:properties>
 </file>
 
-<file path=customXml/itemProps3.xml><?xml version="1.0" encoding="utf-8"?>
+<file path=customXml/itemProps1.xml><?xml version="1.0" encoding="utf-8"?>
 <ds:datastoreItem xmlns:ds="http://schemas.openxmlformats.org/officeDocument/2006/customXml" ds:itemID="{CC96B61E-1B64-430F-934F-7D1B90028029}">
   <ds:schemaRefs>
     <ds:schemaRef ds:uri="http://schemas.microsoft.com/office/2006/metadata/contentType"/>
@@ -16506,6 +16530,26 @@
 </ds:datastoreItem>
 </file>
 
+<file path=customXml/itemProps2.xml><?xml version="1.0" encoding="utf-8"?>
+<ds:datastoreItem xmlns:ds="http://schemas.openxmlformats.org/officeDocument/2006/customXml" ds:itemID="{0FD6FE22-81A0-4500-AFD0-342D21BB9A2C}">
+  <ds:schemaRefs>
+    <ds:schemaRef ds:uri="http://schemas.microsoft.com/sharepoint/v3/contenttype/forms"/>
+  </ds:schemaRefs>
+</ds:datastoreItem>
+</file>
+
+<file path=customXml/itemProps3.xml><?xml version="1.0" encoding="utf-8"?>
+<ds:datastoreItem xmlns:ds="http://schemas.openxmlformats.org/officeDocument/2006/customXml" ds:itemID="{29C43685-694E-4579-B109-3C418D49DA65}">
+  <ds:schemaRefs>
+    <ds:schemaRef ds:uri="http://schemas.microsoft.com/office/2006/metadata/properties"/>
+    <ds:schemaRef ds:uri="http://schemas.microsoft.com/office/infopath/2007/PartnerControls"/>
+    <ds:schemaRef ds:uri="http://schemas.microsoft.com/sharepoint/v3"/>
+    <ds:schemaRef ds:uri="71af3243-3dd4-4a8d-8c0d-dd76da1f02a5"/>
+    <ds:schemaRef ds:uri="230e9df3-be65-4c73-a93b-d1236ebd677e"/>
+  </ds:schemaRefs>
+</ds:datastoreItem>
+</file>
+
 <file path=docMetadata/LabelInfo.xml><?xml version="1.0" encoding="utf-8"?>
 <clbl:labelList xmlns:clbl="http://schemas.microsoft.com/office/2020/mipLabelMetadata">
   <clbl:label id="{f42aa342-8706-4288-bd11-ebb85995028c}" enabled="1" method="Standard" siteId="{72f988bf-86f1-41af-91ab-2d7cd011db47}" removed="0"/>
